--- a/Documentacion/La Once.pptx
+++ b/Documentacion/La Once.pptx
@@ -1064,7 +1064,6 @@
             <a:rPr lang="es-PE" dirty="0" smtClean="0"/>
             <a:t> Coronado</a:t>
           </a:r>
-          <a:endParaRPr lang="es-PE" dirty="0" smtClean="0"/>
         </a:p>
       </dgm:t>
     </dgm:pt>
@@ -1098,6 +1097,13 @@
         </dgm:presLayoutVars>
       </dgm:prSet>
       <dgm:spPr/>
+      <dgm:t>
+        <a:bodyPr/>
+        <a:lstStyle/>
+        <a:p>
+          <a:endParaRPr lang="es-PE"/>
+        </a:p>
+      </dgm:t>
     </dgm:pt>
     <dgm:pt modelId="{B14D2ED4-18E6-4A41-AEC7-7BEEBF74545D}" type="pres">
       <dgm:prSet presAssocID="{3B5FA83A-E0C9-4FD8-BE2E-0D710626E12C}" presName="composite" presStyleCnt="0"/>
@@ -1264,8 +1270,8 @@
     <dgm:cxn modelId="{5EEA08BC-7605-4B13-AAB2-3D89626A806F}" srcId="{0CA2280A-B6CA-4586-B401-59FD60CB7DD7}" destId="{8AB1FA6E-3ACE-4562-A9DB-95D10693C01A}" srcOrd="3" destOrd="0" parTransId="{79FD8025-740B-4FDF-885E-1E3D5464BA85}" sibTransId="{00A05F20-7823-4BF0-87F3-CF6AFEB8E280}"/>
     <dgm:cxn modelId="{199FF417-1BA1-457F-AEC3-927AF6A8F01D}" srcId="{0CA2280A-B6CA-4586-B401-59FD60CB7DD7}" destId="{CE6D8DA9-7D45-4955-AB3B-54CEFC33FB86}" srcOrd="2" destOrd="0" parTransId="{9D8B8210-AB97-40D7-B650-DFDE13BF7020}" sibTransId="{0E0D0B49-E233-4E09-9C64-88C9A223F0EA}"/>
     <dgm:cxn modelId="{67686A54-4578-4FC8-8A5F-8416FDDE00A3}" srcId="{0CA2280A-B6CA-4586-B401-59FD60CB7DD7}" destId="{D509A24F-EAD9-48E6-B404-FBD9F04531A3}" srcOrd="1" destOrd="0" parTransId="{7C907E90-23F6-484C-89B2-FA9F71814A0E}" sibTransId="{C43487E7-EE50-4C63-96CE-3128BDBABEF3}"/>
+    <dgm:cxn modelId="{599E45C9-EB57-49F2-BF98-33FA4D457ACB}" type="presOf" srcId="{8AB1FA6E-3ACE-4562-A9DB-95D10693C01A}" destId="{8D19FA85-4902-41B1-9FC9-EFDF04E97CD6}" srcOrd="0" destOrd="0" presId="urn:microsoft.com/office/officeart/2005/8/layout/vList3"/>
     <dgm:cxn modelId="{1E683BE2-CFCA-43E1-99AC-13A143412386}" type="presOf" srcId="{D509A24F-EAD9-48E6-B404-FBD9F04531A3}" destId="{B405E600-73A0-45D7-A5F6-DD3FBF5E7CD4}" srcOrd="0" destOrd="0" presId="urn:microsoft.com/office/officeart/2005/8/layout/vList3"/>
-    <dgm:cxn modelId="{599E45C9-EB57-49F2-BF98-33FA4D457ACB}" type="presOf" srcId="{8AB1FA6E-3ACE-4562-A9DB-95D10693C01A}" destId="{8D19FA85-4902-41B1-9FC9-EFDF04E97CD6}" srcOrd="0" destOrd="0" presId="urn:microsoft.com/office/officeart/2005/8/layout/vList3"/>
     <dgm:cxn modelId="{C14B06FB-B8C9-4C18-A1A0-05871CCA0E82}" type="presOf" srcId="{CE6D8DA9-7D45-4955-AB3B-54CEFC33FB86}" destId="{A75D4475-0CFC-45B4-A401-5D5131C739EF}" srcOrd="0" destOrd="0" presId="urn:microsoft.com/office/officeart/2005/8/layout/vList3"/>
     <dgm:cxn modelId="{6C24C0E8-EB17-47D0-A56E-D6C7AC8EF934}" type="presOf" srcId="{0CA2280A-B6CA-4586-B401-59FD60CB7DD7}" destId="{173EEA33-32B8-4936-9C29-848DF432977F}" srcOrd="0" destOrd="0" presId="urn:microsoft.com/office/officeart/2005/8/layout/vList3"/>
     <dgm:cxn modelId="{444BE2DC-4E6F-47A3-A152-E2CD2CEEED6E}" srcId="{0CA2280A-B6CA-4586-B401-59FD60CB7DD7}" destId="{3B5FA83A-E0C9-4FD8-BE2E-0D710626E12C}" srcOrd="0" destOrd="0" parTransId="{29424FB2-CA12-4DC0-8277-63B7C65138B5}" sibTransId="{1D407A10-B6E7-4404-861B-F0C3ECAEABAB}"/>
@@ -1716,7 +1722,6 @@
             <a:rPr lang="es-PE" sz="3400" kern="1200" dirty="0" smtClean="0"/>
             <a:t> Coronado</a:t>
           </a:r>
-          <a:endParaRPr lang="es-PE" sz="3400" kern="1200" dirty="0" smtClean="0"/>
         </a:p>
       </dsp:txBody>
       <dsp:txXfrm rot="10800000">
@@ -3258,7 +3263,7 @@
           <a:noFill/>
           <a:extLst>
             <a:ext uri="{909E8E84-426E-40dd-AFC4-6F175D3DCCD1}">
-              <a14:hiddenFill xmlns:a14="http://schemas.microsoft.com/office/drawing/2010/main" xmlns="">
+              <a14:hiddenFill xmlns="" xmlns:a14="http://schemas.microsoft.com/office/drawing/2010/main">
                 <a:solidFill>
                   <a:srgbClr val="FFFFFF"/>
                 </a:solidFill>
@@ -3318,7 +3323,7 @@
             </a:ln>
             <a:extLst>
               <a:ext uri="{91240B29-F687-4f45-9708-019B960494DF}">
-                <a14:hiddenLine xmlns:a14="http://schemas.microsoft.com/office/drawing/2010/main" xmlns="" w="9525">
+                <a14:hiddenLine xmlns="" xmlns:a14="http://schemas.microsoft.com/office/drawing/2010/main" w="9525">
                   <a:solidFill>
                     <a:srgbClr val="000000"/>
                   </a:solidFill>
@@ -3408,7 +3413,7 @@
             </a:ln>
             <a:extLst>
               <a:ext uri="{91240B29-F687-4f45-9708-019B960494DF}">
-                <a14:hiddenLine xmlns:a14="http://schemas.microsoft.com/office/drawing/2010/main" xmlns="" w="9525">
+                <a14:hiddenLine xmlns="" xmlns:a14="http://schemas.microsoft.com/office/drawing/2010/main" w="9525">
                   <a:solidFill>
                     <a:srgbClr val="000000"/>
                   </a:solidFill>
@@ -3498,7 +3503,7 @@
             </a:ln>
             <a:extLst>
               <a:ext uri="{91240B29-F687-4f45-9708-019B960494DF}">
-                <a14:hiddenLine xmlns:a14="http://schemas.microsoft.com/office/drawing/2010/main" xmlns="" w="9525">
+                <a14:hiddenLine xmlns="" xmlns:a14="http://schemas.microsoft.com/office/drawing/2010/main" w="9525">
                   <a:solidFill>
                     <a:srgbClr val="000000"/>
                   </a:solidFill>
@@ -3532,7 +3537,7 @@
             </a:ln>
             <a:extLst>
               <a:ext uri="{91240B29-F687-4f45-9708-019B960494DF}">
-                <a14:hiddenLine xmlns:a14="http://schemas.microsoft.com/office/drawing/2010/main" xmlns="" w="9525">
+                <a14:hiddenLine xmlns="" xmlns:a14="http://schemas.microsoft.com/office/drawing/2010/main" w="9525">
                   <a:solidFill>
                     <a:srgbClr val="000000"/>
                   </a:solidFill>
@@ -3622,7 +3627,7 @@
             </a:ln>
             <a:extLst>
               <a:ext uri="{91240B29-F687-4f45-9708-019B960494DF}">
-                <a14:hiddenLine xmlns:a14="http://schemas.microsoft.com/office/drawing/2010/main" xmlns="" w="9525">
+                <a14:hiddenLine xmlns="" xmlns:a14="http://schemas.microsoft.com/office/drawing/2010/main" w="9525">
                   <a:solidFill>
                     <a:srgbClr val="000000"/>
                   </a:solidFill>
@@ -3684,7 +3689,7 @@
             </a:ln>
             <a:extLst>
               <a:ext uri="{91240B29-F687-4f45-9708-019B960494DF}">
-                <a14:hiddenLine xmlns:a14="http://schemas.microsoft.com/office/drawing/2010/main" xmlns="" w="9525">
+                <a14:hiddenLine xmlns="" xmlns:a14="http://schemas.microsoft.com/office/drawing/2010/main" w="9525">
                   <a:solidFill>
                     <a:srgbClr val="000000"/>
                   </a:solidFill>
@@ -3746,7 +3751,7 @@
             </a:ln>
             <a:extLst>
               <a:ext uri="{91240B29-F687-4f45-9708-019B960494DF}">
-                <a14:hiddenLine xmlns:a14="http://schemas.microsoft.com/office/drawing/2010/main" xmlns="" w="9525">
+                <a14:hiddenLine xmlns="" xmlns:a14="http://schemas.microsoft.com/office/drawing/2010/main" w="9525">
                   <a:solidFill>
                     <a:srgbClr val="000000"/>
                   </a:solidFill>
@@ -3836,7 +3841,7 @@
             </a:ln>
             <a:extLst>
               <a:ext uri="{91240B29-F687-4f45-9708-019B960494DF}">
-                <a14:hiddenLine xmlns:a14="http://schemas.microsoft.com/office/drawing/2010/main" xmlns="" w="9525">
+                <a14:hiddenLine xmlns="" xmlns:a14="http://schemas.microsoft.com/office/drawing/2010/main" w="9525">
                   <a:solidFill>
                     <a:srgbClr val="000000"/>
                   </a:solidFill>
@@ -3898,7 +3903,7 @@
             </a:ln>
             <a:extLst>
               <a:ext uri="{91240B29-F687-4f45-9708-019B960494DF}">
-                <a14:hiddenLine xmlns:a14="http://schemas.microsoft.com/office/drawing/2010/main" xmlns="" w="9525">
+                <a14:hiddenLine xmlns="" xmlns:a14="http://schemas.microsoft.com/office/drawing/2010/main" w="9525">
                   <a:solidFill>
                     <a:srgbClr val="000000"/>
                   </a:solidFill>
@@ -3960,7 +3965,7 @@
             </a:ln>
             <a:extLst>
               <a:ext uri="{91240B29-F687-4f45-9708-019B960494DF}">
-                <a14:hiddenLine xmlns:a14="http://schemas.microsoft.com/office/drawing/2010/main" xmlns="" w="9525">
+                <a14:hiddenLine xmlns="" xmlns:a14="http://schemas.microsoft.com/office/drawing/2010/main" w="9525">
                   <a:solidFill>
                     <a:srgbClr val="000000"/>
                   </a:solidFill>
@@ -4050,7 +4055,7 @@
             </a:ln>
             <a:extLst>
               <a:ext uri="{91240B29-F687-4f45-9708-019B960494DF}">
-                <a14:hiddenLine xmlns:a14="http://schemas.microsoft.com/office/drawing/2010/main" xmlns="" w="9525">
+                <a14:hiddenLine xmlns="" xmlns:a14="http://schemas.microsoft.com/office/drawing/2010/main" w="9525">
                   <a:solidFill>
                     <a:srgbClr val="000000"/>
                   </a:solidFill>
@@ -4140,7 +4145,7 @@
             </a:ln>
             <a:extLst>
               <a:ext uri="{91240B29-F687-4f45-9708-019B960494DF}">
-                <a14:hiddenLine xmlns:a14="http://schemas.microsoft.com/office/drawing/2010/main" xmlns="" w="9525">
+                <a14:hiddenLine xmlns="" xmlns:a14="http://schemas.microsoft.com/office/drawing/2010/main" w="9525">
                   <a:solidFill>
                     <a:srgbClr val="000000"/>
                   </a:solidFill>
@@ -4202,7 +4207,7 @@
             </a:ln>
             <a:extLst>
               <a:ext uri="{91240B29-F687-4f45-9708-019B960494DF}">
-                <a14:hiddenLine xmlns:a14="http://schemas.microsoft.com/office/drawing/2010/main" xmlns="" w="9525">
+                <a14:hiddenLine xmlns="" xmlns:a14="http://schemas.microsoft.com/office/drawing/2010/main" w="9525">
                   <a:solidFill>
                     <a:srgbClr val="000000"/>
                   </a:solidFill>
@@ -4312,7 +4317,7 @@
             </a:ln>
             <a:extLst>
               <a:ext uri="{91240B29-F687-4f45-9708-019B960494DF}">
-                <a14:hiddenLine xmlns:a14="http://schemas.microsoft.com/office/drawing/2010/main" xmlns="" w="9525">
+                <a14:hiddenLine xmlns="" xmlns:a14="http://schemas.microsoft.com/office/drawing/2010/main" w="9525">
                   <a:solidFill>
                     <a:srgbClr val="000000"/>
                   </a:solidFill>
@@ -4374,7 +4379,7 @@
             </a:ln>
             <a:extLst>
               <a:ext uri="{91240B29-F687-4f45-9708-019B960494DF}">
-                <a14:hiddenLine xmlns:a14="http://schemas.microsoft.com/office/drawing/2010/main" xmlns="" w="9525">
+                <a14:hiddenLine xmlns="" xmlns:a14="http://schemas.microsoft.com/office/drawing/2010/main" w="9525">
                   <a:solidFill>
                     <a:srgbClr val="000000"/>
                   </a:solidFill>
@@ -4464,7 +4469,7 @@
             </a:ln>
             <a:extLst>
               <a:ext uri="{91240B29-F687-4f45-9708-019B960494DF}">
-                <a14:hiddenLine xmlns:a14="http://schemas.microsoft.com/office/drawing/2010/main" xmlns="" w="9525">
+                <a14:hiddenLine xmlns="" xmlns:a14="http://schemas.microsoft.com/office/drawing/2010/main" w="9525">
                   <a:solidFill>
                     <a:srgbClr val="000000"/>
                   </a:solidFill>
@@ -4554,7 +4559,7 @@
             </a:ln>
             <a:extLst>
               <a:ext uri="{91240B29-F687-4f45-9708-019B960494DF}">
-                <a14:hiddenLine xmlns:a14="http://schemas.microsoft.com/office/drawing/2010/main" xmlns="" w="9525">
+                <a14:hiddenLine xmlns="" xmlns:a14="http://schemas.microsoft.com/office/drawing/2010/main" w="9525">
                   <a:solidFill>
                     <a:srgbClr val="000000"/>
                   </a:solidFill>
@@ -4616,7 +4621,7 @@
             </a:ln>
             <a:extLst>
               <a:ext uri="{91240B29-F687-4f45-9708-019B960494DF}">
-                <a14:hiddenLine xmlns:a14="http://schemas.microsoft.com/office/drawing/2010/main" xmlns="" w="9525">
+                <a14:hiddenLine xmlns="" xmlns:a14="http://schemas.microsoft.com/office/drawing/2010/main" w="9525">
                   <a:solidFill>
                     <a:srgbClr val="000000"/>
                   </a:solidFill>
@@ -4706,7 +4711,7 @@
             </a:ln>
             <a:extLst>
               <a:ext uri="{91240B29-F687-4f45-9708-019B960494DF}">
-                <a14:hiddenLine xmlns:a14="http://schemas.microsoft.com/office/drawing/2010/main" xmlns="" w="9525">
+                <a14:hiddenLine xmlns="" xmlns:a14="http://schemas.microsoft.com/office/drawing/2010/main" w="9525">
                   <a:solidFill>
                     <a:srgbClr val="000000"/>
                   </a:solidFill>
@@ -4796,7 +4801,7 @@
             </a:ln>
             <a:extLst>
               <a:ext uri="{91240B29-F687-4f45-9708-019B960494DF}">
-                <a14:hiddenLine xmlns:a14="http://schemas.microsoft.com/office/drawing/2010/main" xmlns="" w="9525">
+                <a14:hiddenLine xmlns="" xmlns:a14="http://schemas.microsoft.com/office/drawing/2010/main" w="9525">
                   <a:solidFill>
                     <a:srgbClr val="000000"/>
                   </a:solidFill>
@@ -4852,7 +4857,7 @@
             </a:ln>
             <a:extLst>
               <a:ext uri="{91240B29-F687-4f45-9708-019B960494DF}">
-                <a14:hiddenLine xmlns:a14="http://schemas.microsoft.com/office/drawing/2010/main" xmlns="" w="9525">
+                <a14:hiddenLine xmlns="" xmlns:a14="http://schemas.microsoft.com/office/drawing/2010/main" w="9525">
                   <a:solidFill>
                     <a:srgbClr val="000000"/>
                   </a:solidFill>
@@ -4942,7 +4947,7 @@
             </a:ln>
             <a:extLst>
               <a:ext uri="{91240B29-F687-4f45-9708-019B960494DF}">
-                <a14:hiddenLine xmlns:a14="http://schemas.microsoft.com/office/drawing/2010/main" xmlns="" w="9525">
+                <a14:hiddenLine xmlns="" xmlns:a14="http://schemas.microsoft.com/office/drawing/2010/main" w="9525">
                   <a:solidFill>
                     <a:srgbClr val="000000"/>
                   </a:solidFill>
@@ -4998,7 +5003,7 @@
             </a:ln>
             <a:extLst>
               <a:ext uri="{91240B29-F687-4f45-9708-019B960494DF}">
-                <a14:hiddenLine xmlns:a14="http://schemas.microsoft.com/office/drawing/2010/main" xmlns="" w="9525">
+                <a14:hiddenLine xmlns="" xmlns:a14="http://schemas.microsoft.com/office/drawing/2010/main" w="9525">
                   <a:solidFill>
                     <a:srgbClr val="000000"/>
                   </a:solidFill>
@@ -5088,7 +5093,7 @@
             </a:ln>
             <a:extLst>
               <a:ext uri="{91240B29-F687-4f45-9708-019B960494DF}">
-                <a14:hiddenLine xmlns:a14="http://schemas.microsoft.com/office/drawing/2010/main" xmlns="" w="9525">
+                <a14:hiddenLine xmlns="" xmlns:a14="http://schemas.microsoft.com/office/drawing/2010/main" w="9525">
                   <a:solidFill>
                     <a:srgbClr val="000000"/>
                   </a:solidFill>
@@ -5156,7 +5161,7 @@
             </a:ln>
             <a:extLst>
               <a:ext uri="{91240B29-F687-4f45-9708-019B960494DF}">
-                <a14:hiddenLine xmlns:a14="http://schemas.microsoft.com/office/drawing/2010/main" xmlns="" w="9525">
+                <a14:hiddenLine xmlns="" xmlns:a14="http://schemas.microsoft.com/office/drawing/2010/main" w="9525">
                   <a:solidFill>
                     <a:srgbClr val="000000"/>
                   </a:solidFill>
@@ -5246,7 +5251,7 @@
             </a:ln>
             <a:extLst>
               <a:ext uri="{91240B29-F687-4f45-9708-019B960494DF}">
-                <a14:hiddenLine xmlns:a14="http://schemas.microsoft.com/office/drawing/2010/main" xmlns="" w="9525">
+                <a14:hiddenLine xmlns="" xmlns:a14="http://schemas.microsoft.com/office/drawing/2010/main" w="9525">
                   <a:solidFill>
                     <a:srgbClr val="000000"/>
                   </a:solidFill>
@@ -5314,7 +5319,7 @@
             </a:ln>
             <a:extLst>
               <a:ext uri="{91240B29-F687-4f45-9708-019B960494DF}">
-                <a14:hiddenLine xmlns:a14="http://schemas.microsoft.com/office/drawing/2010/main" xmlns="" w="9525">
+                <a14:hiddenLine xmlns="" xmlns:a14="http://schemas.microsoft.com/office/drawing/2010/main" w="9525">
                   <a:solidFill>
                     <a:srgbClr val="000000"/>
                   </a:solidFill>
@@ -5404,7 +5409,7 @@
             </a:ln>
             <a:extLst>
               <a:ext uri="{91240B29-F687-4f45-9708-019B960494DF}">
-                <a14:hiddenLine xmlns:a14="http://schemas.microsoft.com/office/drawing/2010/main" xmlns="" w="9525">
+                <a14:hiddenLine xmlns="" xmlns:a14="http://schemas.microsoft.com/office/drawing/2010/main" w="9525">
                   <a:solidFill>
                     <a:srgbClr val="000000"/>
                   </a:solidFill>
@@ -5438,7 +5443,7 @@
             </a:ln>
             <a:extLst>
               <a:ext uri="{91240B29-F687-4f45-9708-019B960494DF}">
-                <a14:hiddenLine xmlns:a14="http://schemas.microsoft.com/office/drawing/2010/main" xmlns="" w="9525">
+                <a14:hiddenLine xmlns="" xmlns:a14="http://schemas.microsoft.com/office/drawing/2010/main" w="9525">
                   <a:solidFill>
                     <a:srgbClr val="000000"/>
                   </a:solidFill>
@@ -5528,7 +5533,7 @@
             </a:ln>
             <a:extLst>
               <a:ext uri="{91240B29-F687-4f45-9708-019B960494DF}">
-                <a14:hiddenLine xmlns:a14="http://schemas.microsoft.com/office/drawing/2010/main" xmlns="" w="9525">
+                <a14:hiddenLine xmlns="" xmlns:a14="http://schemas.microsoft.com/office/drawing/2010/main" w="9525">
                   <a:solidFill>
                     <a:srgbClr val="000000"/>
                   </a:solidFill>
@@ -5590,7 +5595,7 @@
             </a:ln>
             <a:extLst>
               <a:ext uri="{91240B29-F687-4f45-9708-019B960494DF}">
-                <a14:hiddenLine xmlns:a14="http://schemas.microsoft.com/office/drawing/2010/main" xmlns="" w="9525">
+                <a14:hiddenLine xmlns="" xmlns:a14="http://schemas.microsoft.com/office/drawing/2010/main" w="9525">
                   <a:solidFill>
                     <a:srgbClr val="000000"/>
                   </a:solidFill>
@@ -5652,7 +5657,7 @@
             </a:ln>
             <a:extLst>
               <a:ext uri="{91240B29-F687-4f45-9708-019B960494DF}">
-                <a14:hiddenLine xmlns:a14="http://schemas.microsoft.com/office/drawing/2010/main" xmlns="" w="9525">
+                <a14:hiddenLine xmlns="" xmlns:a14="http://schemas.microsoft.com/office/drawing/2010/main" w="9525">
                   <a:solidFill>
                     <a:srgbClr val="000000"/>
                   </a:solidFill>
@@ -5742,7 +5747,7 @@
             </a:ln>
             <a:extLst>
               <a:ext uri="{91240B29-F687-4f45-9708-019B960494DF}">
-                <a14:hiddenLine xmlns:a14="http://schemas.microsoft.com/office/drawing/2010/main" xmlns="" w="9525">
+                <a14:hiddenLine xmlns="" xmlns:a14="http://schemas.microsoft.com/office/drawing/2010/main" w="9525">
                   <a:solidFill>
                     <a:srgbClr val="000000"/>
                   </a:solidFill>
@@ -5810,7 +5815,7 @@
             </a:ln>
             <a:extLst>
               <a:ext uri="{91240B29-F687-4f45-9708-019B960494DF}">
-                <a14:hiddenLine xmlns:a14="http://schemas.microsoft.com/office/drawing/2010/main" xmlns="" w="9525">
+                <a14:hiddenLine xmlns="" xmlns:a14="http://schemas.microsoft.com/office/drawing/2010/main" w="9525">
                   <a:solidFill>
                     <a:srgbClr val="000000"/>
                   </a:solidFill>
@@ -5872,7 +5877,7 @@
             </a:ln>
             <a:extLst>
               <a:ext uri="{91240B29-F687-4f45-9708-019B960494DF}">
-                <a14:hiddenLine xmlns:a14="http://schemas.microsoft.com/office/drawing/2010/main" xmlns="" w="9525">
+                <a14:hiddenLine xmlns="" xmlns:a14="http://schemas.microsoft.com/office/drawing/2010/main" w="9525">
                   <a:solidFill>
                     <a:srgbClr val="000000"/>
                   </a:solidFill>
@@ -5962,7 +5967,7 @@
             </a:ln>
             <a:extLst>
               <a:ext uri="{91240B29-F687-4f45-9708-019B960494DF}">
-                <a14:hiddenLine xmlns:a14="http://schemas.microsoft.com/office/drawing/2010/main" xmlns="" w="9525">
+                <a14:hiddenLine xmlns="" xmlns:a14="http://schemas.microsoft.com/office/drawing/2010/main" w="9525">
                   <a:solidFill>
                     <a:srgbClr val="000000"/>
                   </a:solidFill>
@@ -6024,7 +6029,7 @@
             </a:ln>
             <a:extLst>
               <a:ext uri="{91240B29-F687-4f45-9708-019B960494DF}">
-                <a14:hiddenLine xmlns:a14="http://schemas.microsoft.com/office/drawing/2010/main" xmlns="" w="9525">
+                <a14:hiddenLine xmlns="" xmlns:a14="http://schemas.microsoft.com/office/drawing/2010/main" w="9525">
                   <a:solidFill>
                     <a:srgbClr val="000000"/>
                   </a:solidFill>
@@ -6114,7 +6119,7 @@
             </a:ln>
             <a:extLst>
               <a:ext uri="{91240B29-F687-4f45-9708-019B960494DF}">
-                <a14:hiddenLine xmlns:a14="http://schemas.microsoft.com/office/drawing/2010/main" xmlns="" w="9525">
+                <a14:hiddenLine xmlns="" xmlns:a14="http://schemas.microsoft.com/office/drawing/2010/main" w="9525">
                   <a:solidFill>
                     <a:srgbClr val="000000"/>
                   </a:solidFill>
@@ -6176,7 +6181,7 @@
             </a:ln>
             <a:extLst>
               <a:ext uri="{91240B29-F687-4f45-9708-019B960494DF}">
-                <a14:hiddenLine xmlns:a14="http://schemas.microsoft.com/office/drawing/2010/main" xmlns="" w="9525">
+                <a14:hiddenLine xmlns="" xmlns:a14="http://schemas.microsoft.com/office/drawing/2010/main" w="9525">
                   <a:solidFill>
                     <a:srgbClr val="000000"/>
                   </a:solidFill>
@@ -6266,7 +6271,7 @@
             </a:ln>
             <a:extLst>
               <a:ext uri="{91240B29-F687-4f45-9708-019B960494DF}">
-                <a14:hiddenLine xmlns:a14="http://schemas.microsoft.com/office/drawing/2010/main" xmlns="" w="9525">
+                <a14:hiddenLine xmlns="" xmlns:a14="http://schemas.microsoft.com/office/drawing/2010/main" w="9525">
                   <a:solidFill>
                     <a:srgbClr val="000000"/>
                   </a:solidFill>
@@ -6300,7 +6305,7 @@
             </a:ln>
             <a:extLst>
               <a:ext uri="{91240B29-F687-4f45-9708-019B960494DF}">
-                <a14:hiddenLine xmlns:a14="http://schemas.microsoft.com/office/drawing/2010/main" xmlns="" w="9525">
+                <a14:hiddenLine xmlns="" xmlns:a14="http://schemas.microsoft.com/office/drawing/2010/main" w="9525">
                   <a:solidFill>
                     <a:srgbClr val="000000"/>
                   </a:solidFill>
@@ -6365,7 +6370,7 @@
             </a:ln>
             <a:extLst>
               <a:ext uri="{91240B29-F687-4f45-9708-019B960494DF}">
-                <a14:hiddenLine xmlns:a14="http://schemas.microsoft.com/office/drawing/2010/main" xmlns="" w="9525">
+                <a14:hiddenLine xmlns="" xmlns:a14="http://schemas.microsoft.com/office/drawing/2010/main" w="9525">
                   <a:solidFill>
                     <a:srgbClr val="000000"/>
                   </a:solidFill>
@@ -6455,7 +6460,7 @@
             </a:ln>
             <a:extLst>
               <a:ext uri="{91240B29-F687-4f45-9708-019B960494DF}">
-                <a14:hiddenLine xmlns:a14="http://schemas.microsoft.com/office/drawing/2010/main" xmlns="" w="9525">
+                <a14:hiddenLine xmlns="" xmlns:a14="http://schemas.microsoft.com/office/drawing/2010/main" w="9525">
                   <a:solidFill>
                     <a:srgbClr val="000000"/>
                   </a:solidFill>
@@ -6517,7 +6522,7 @@
             </a:ln>
             <a:extLst>
               <a:ext uri="{91240B29-F687-4f45-9708-019B960494DF}">
-                <a14:hiddenLine xmlns:a14="http://schemas.microsoft.com/office/drawing/2010/main" xmlns="" w="9525">
+                <a14:hiddenLine xmlns="" xmlns:a14="http://schemas.microsoft.com/office/drawing/2010/main" w="9525">
                   <a:solidFill>
                     <a:srgbClr val="000000"/>
                   </a:solidFill>
@@ -6607,7 +6612,7 @@
             </a:ln>
             <a:extLst>
               <a:ext uri="{91240B29-F687-4f45-9708-019B960494DF}">
-                <a14:hiddenLine xmlns:a14="http://schemas.microsoft.com/office/drawing/2010/main" xmlns="" w="9525">
+                <a14:hiddenLine xmlns="" xmlns:a14="http://schemas.microsoft.com/office/drawing/2010/main" w="9525">
                   <a:solidFill>
                     <a:srgbClr val="000000"/>
                   </a:solidFill>
@@ -6697,7 +6702,7 @@
             </a:ln>
             <a:extLst>
               <a:ext uri="{91240B29-F687-4f45-9708-019B960494DF}">
-                <a14:hiddenLine xmlns:a14="http://schemas.microsoft.com/office/drawing/2010/main" xmlns="" w="9525">
+                <a14:hiddenLine xmlns="" xmlns:a14="http://schemas.microsoft.com/office/drawing/2010/main" w="9525">
                   <a:solidFill>
                     <a:srgbClr val="000000"/>
                   </a:solidFill>
@@ -6762,7 +6767,7 @@
             </a:ln>
             <a:extLst>
               <a:ext uri="{91240B29-F687-4f45-9708-019B960494DF}">
-                <a14:hiddenLine xmlns:a14="http://schemas.microsoft.com/office/drawing/2010/main" xmlns="" w="9525">
+                <a14:hiddenLine xmlns="" xmlns:a14="http://schemas.microsoft.com/office/drawing/2010/main" w="9525">
                   <a:solidFill>
                     <a:srgbClr val="000000"/>
                   </a:solidFill>
@@ -6824,7 +6829,7 @@
             </a:ln>
             <a:extLst>
               <a:ext uri="{91240B29-F687-4f45-9708-019B960494DF}">
-                <a14:hiddenLine xmlns:a14="http://schemas.microsoft.com/office/drawing/2010/main" xmlns="" w="9525">
+                <a14:hiddenLine xmlns="" xmlns:a14="http://schemas.microsoft.com/office/drawing/2010/main" w="9525">
                   <a:solidFill>
                     <a:srgbClr val="000000"/>
                   </a:solidFill>
@@ -6914,7 +6919,7 @@
             </a:ln>
             <a:extLst>
               <a:ext uri="{91240B29-F687-4f45-9708-019B960494DF}">
-                <a14:hiddenLine xmlns:a14="http://schemas.microsoft.com/office/drawing/2010/main" xmlns="" w="9525">
+                <a14:hiddenLine xmlns="" xmlns:a14="http://schemas.microsoft.com/office/drawing/2010/main" w="9525">
                   <a:solidFill>
                     <a:srgbClr val="000000"/>
                   </a:solidFill>
@@ -7004,7 +7009,7 @@
             </a:ln>
             <a:extLst>
               <a:ext uri="{91240B29-F687-4f45-9708-019B960494DF}">
-                <a14:hiddenLine xmlns:a14="http://schemas.microsoft.com/office/drawing/2010/main" xmlns="" w="9525">
+                <a14:hiddenLine xmlns="" xmlns:a14="http://schemas.microsoft.com/office/drawing/2010/main" w="9525">
                   <a:solidFill>
                     <a:srgbClr val="000000"/>
                   </a:solidFill>
@@ -7066,7 +7071,7 @@
             </a:ln>
             <a:extLst>
               <a:ext uri="{91240B29-F687-4f45-9708-019B960494DF}">
-                <a14:hiddenLine xmlns:a14="http://schemas.microsoft.com/office/drawing/2010/main" xmlns="" w="9525">
+                <a14:hiddenLine xmlns="" xmlns:a14="http://schemas.microsoft.com/office/drawing/2010/main" w="9525">
                   <a:solidFill>
                     <a:srgbClr val="000000"/>
                   </a:solidFill>
@@ -7186,7 +7191,7 @@
             </a:ln>
             <a:extLst>
               <a:ext uri="{91240B29-F687-4f45-9708-019B960494DF}">
-                <a14:hiddenLine xmlns:a14="http://schemas.microsoft.com/office/drawing/2010/main" xmlns="" w="9525">
+                <a14:hiddenLine xmlns="" xmlns:a14="http://schemas.microsoft.com/office/drawing/2010/main" w="9525">
                   <a:solidFill>
                     <a:srgbClr val="000000"/>
                   </a:solidFill>
@@ -7254,7 +7259,7 @@
             </a:ln>
             <a:extLst>
               <a:ext uri="{91240B29-F687-4f45-9708-019B960494DF}">
-                <a14:hiddenLine xmlns:a14="http://schemas.microsoft.com/office/drawing/2010/main" xmlns="" w="9525">
+                <a14:hiddenLine xmlns="" xmlns:a14="http://schemas.microsoft.com/office/drawing/2010/main" w="9525">
                   <a:solidFill>
                     <a:srgbClr val="000000"/>
                   </a:solidFill>
@@ -7344,7 +7349,7 @@
             </a:ln>
             <a:extLst>
               <a:ext uri="{91240B29-F687-4f45-9708-019B960494DF}">
-                <a14:hiddenLine xmlns:a14="http://schemas.microsoft.com/office/drawing/2010/main" xmlns="" w="9525">
+                <a14:hiddenLine xmlns="" xmlns:a14="http://schemas.microsoft.com/office/drawing/2010/main" w="9525">
                   <a:solidFill>
                     <a:srgbClr val="000000"/>
                   </a:solidFill>
@@ -7486,7 +7491,7 @@
               <a:rPr lang="es-PE" smtClean="0"/>
               <a:t>03/06/2017</a:t>
             </a:fld>
-            <a:endParaRPr lang="es-PE"/>
+            <a:endParaRPr lang="es-PE" dirty="0"/>
           </a:p>
         </p:txBody>
       </p:sp>
@@ -7510,7 +7515,7 @@
           <a:bodyPr/>
           <a:lstStyle/>
           <a:p>
-            <a:endParaRPr lang="es-PE"/>
+            <a:endParaRPr lang="es-PE" dirty="0"/>
           </a:p>
         </p:txBody>
       </p:sp>
@@ -7538,7 +7543,7 @@
               <a:rPr lang="es-PE" smtClean="0"/>
               <a:t>‹Nº›</a:t>
             </a:fld>
-            <a:endParaRPr lang="es-PE"/>
+            <a:endParaRPr lang="es-PE" dirty="0"/>
           </a:p>
         </p:txBody>
       </p:sp>
@@ -7660,7 +7665,7 @@
               <a:buNone/>
             </a:pPr>
             <a:r>
-              <a:rPr lang="es-ES" smtClean="0"/>
+              <a:rPr lang="es-ES" dirty="0" smtClean="0"/>
               <a:t>Haga clic en el icono para agregar una imagen</a:t>
             </a:r>
             <a:endParaRPr lang="en-US" dirty="0"/>
@@ -7753,7 +7758,7 @@
               <a:rPr lang="es-PE" smtClean="0"/>
               <a:t>03/06/2017</a:t>
             </a:fld>
-            <a:endParaRPr lang="es-PE"/>
+            <a:endParaRPr lang="es-PE" dirty="0"/>
           </a:p>
         </p:txBody>
       </p:sp>
@@ -7772,7 +7777,7 @@
           <a:bodyPr/>
           <a:lstStyle/>
           <a:p>
-            <a:endParaRPr lang="es-PE"/>
+            <a:endParaRPr lang="es-PE" dirty="0"/>
           </a:p>
         </p:txBody>
       </p:sp>
@@ -7795,7 +7800,7 @@
               <a:rPr lang="es-PE" smtClean="0"/>
               <a:t>‹Nº›</a:t>
             </a:fld>
-            <a:endParaRPr lang="es-PE"/>
+            <a:endParaRPr lang="es-PE" dirty="0"/>
           </a:p>
         </p:txBody>
       </p:sp>
@@ -7949,7 +7954,7 @@
               <a:rPr lang="es-PE" smtClean="0"/>
               <a:t>03/06/2017</a:t>
             </a:fld>
-            <a:endParaRPr lang="es-PE"/>
+            <a:endParaRPr lang="es-PE" dirty="0"/>
           </a:p>
         </p:txBody>
       </p:sp>
@@ -7968,7 +7973,7 @@
           <a:bodyPr/>
           <a:lstStyle/>
           <a:p>
-            <a:endParaRPr lang="es-PE"/>
+            <a:endParaRPr lang="es-PE" dirty="0"/>
           </a:p>
         </p:txBody>
       </p:sp>
@@ -7991,7 +7996,7 @@
               <a:rPr lang="es-PE" smtClean="0"/>
               <a:t>‹Nº›</a:t>
             </a:fld>
-            <a:endParaRPr lang="es-PE"/>
+            <a:endParaRPr lang="es-PE" dirty="0"/>
           </a:p>
         </p:txBody>
       </p:sp>
@@ -8212,7 +8217,7 @@
               <a:rPr lang="es-PE" smtClean="0"/>
               <a:t>03/06/2017</a:t>
             </a:fld>
-            <a:endParaRPr lang="es-PE"/>
+            <a:endParaRPr lang="es-PE" dirty="0"/>
           </a:p>
         </p:txBody>
       </p:sp>
@@ -8231,7 +8236,7 @@
           <a:bodyPr/>
           <a:lstStyle/>
           <a:p>
-            <a:endParaRPr lang="es-PE"/>
+            <a:endParaRPr lang="es-PE" dirty="0"/>
           </a:p>
         </p:txBody>
       </p:sp>
@@ -8254,7 +8259,7 @@
               <a:rPr lang="es-PE" smtClean="0"/>
               <a:t>‹Nº›</a:t>
             </a:fld>
-            <a:endParaRPr lang="es-PE"/>
+            <a:endParaRPr lang="es-PE" dirty="0"/>
           </a:p>
         </p:txBody>
       </p:sp>
@@ -8646,7 +8651,7 @@
               <a:rPr lang="es-PE" smtClean="0"/>
               <a:t>03/06/2017</a:t>
             </a:fld>
-            <a:endParaRPr lang="es-PE"/>
+            <a:endParaRPr lang="es-PE" dirty="0"/>
           </a:p>
         </p:txBody>
       </p:sp>
@@ -8665,7 +8670,7 @@
           <a:bodyPr/>
           <a:lstStyle/>
           <a:p>
-            <a:endParaRPr lang="es-PE"/>
+            <a:endParaRPr lang="es-PE" dirty="0"/>
           </a:p>
         </p:txBody>
       </p:sp>
@@ -8688,7 +8693,7 @@
               <a:rPr lang="es-PE" smtClean="0"/>
               <a:t>‹Nº›</a:t>
             </a:fld>
-            <a:endParaRPr lang="es-PE"/>
+            <a:endParaRPr lang="es-PE" dirty="0"/>
           </a:p>
         </p:txBody>
       </p:sp>
@@ -9192,7 +9197,7 @@
               <a:rPr lang="es-PE" smtClean="0"/>
               <a:t>03/06/2017</a:t>
             </a:fld>
-            <a:endParaRPr lang="es-PE"/>
+            <a:endParaRPr lang="es-PE" dirty="0"/>
           </a:p>
         </p:txBody>
       </p:sp>
@@ -9211,7 +9216,7 @@
           <a:bodyPr/>
           <a:lstStyle/>
           <a:p>
-            <a:endParaRPr lang="es-PE"/>
+            <a:endParaRPr lang="es-PE" dirty="0"/>
           </a:p>
         </p:txBody>
       </p:sp>
@@ -9234,7 +9239,7 @@
               <a:rPr lang="es-PE" smtClean="0"/>
               <a:t>‹Nº›</a:t>
             </a:fld>
-            <a:endParaRPr lang="es-PE"/>
+            <a:endParaRPr lang="es-PE" dirty="0"/>
           </a:p>
         </p:txBody>
       </p:sp>
@@ -9421,7 +9426,7 @@
               <a:buNone/>
             </a:pPr>
             <a:r>
-              <a:rPr lang="es-ES" smtClean="0"/>
+              <a:rPr lang="es-ES" dirty="0" smtClean="0"/>
               <a:t>Haga clic en el icono para agregar una imagen</a:t>
             </a:r>
             <a:endParaRPr lang="en-US" dirty="0"/>
@@ -9620,7 +9625,7 @@
               <a:buNone/>
             </a:pPr>
             <a:r>
-              <a:rPr lang="es-ES" smtClean="0"/>
+              <a:rPr lang="es-ES" dirty="0" smtClean="0"/>
               <a:t>Haga clic en el icono para agregar una imagen</a:t>
             </a:r>
             <a:endParaRPr lang="en-US" dirty="0"/>
@@ -9819,7 +9824,7 @@
               <a:buNone/>
             </a:pPr>
             <a:r>
-              <a:rPr lang="es-ES" smtClean="0"/>
+              <a:rPr lang="es-ES" dirty="0" smtClean="0"/>
               <a:t>Haga clic en el icono para agregar una imagen</a:t>
             </a:r>
             <a:endParaRPr lang="en-US" dirty="0"/>
@@ -9912,7 +9917,7 @@
               <a:rPr lang="es-PE" smtClean="0"/>
               <a:t>03/06/2017</a:t>
             </a:fld>
-            <a:endParaRPr lang="es-PE"/>
+            <a:endParaRPr lang="es-PE" dirty="0"/>
           </a:p>
         </p:txBody>
       </p:sp>
@@ -9931,7 +9936,7 @@
           <a:bodyPr/>
           <a:lstStyle/>
           <a:p>
-            <a:endParaRPr lang="es-PE"/>
+            <a:endParaRPr lang="es-PE" dirty="0"/>
           </a:p>
         </p:txBody>
       </p:sp>
@@ -9954,7 +9959,7 @@
               <a:rPr lang="es-PE" smtClean="0"/>
               <a:t>‹Nº›</a:t>
             </a:fld>
-            <a:endParaRPr lang="es-PE"/>
+            <a:endParaRPr lang="es-PE" dirty="0"/>
           </a:p>
         </p:txBody>
       </p:sp>
@@ -10082,7 +10087,7 @@
               <a:rPr lang="es-PE" smtClean="0"/>
               <a:t>03/06/2017</a:t>
             </a:fld>
-            <a:endParaRPr lang="es-PE"/>
+            <a:endParaRPr lang="es-PE" dirty="0"/>
           </a:p>
         </p:txBody>
       </p:sp>
@@ -10101,7 +10106,7 @@
           <a:bodyPr/>
           <a:lstStyle/>
           <a:p>
-            <a:endParaRPr lang="es-PE"/>
+            <a:endParaRPr lang="es-PE" dirty="0"/>
           </a:p>
         </p:txBody>
       </p:sp>
@@ -10124,7 +10129,7 @@
               <a:rPr lang="es-PE" smtClean="0"/>
               <a:t>‹Nº›</a:t>
             </a:fld>
-            <a:endParaRPr lang="es-PE"/>
+            <a:endParaRPr lang="es-PE" dirty="0"/>
           </a:p>
         </p:txBody>
       </p:sp>
@@ -10262,7 +10267,7 @@
               <a:rPr lang="es-PE" smtClean="0"/>
               <a:t>03/06/2017</a:t>
             </a:fld>
-            <a:endParaRPr lang="es-PE"/>
+            <a:endParaRPr lang="es-PE" dirty="0"/>
           </a:p>
         </p:txBody>
       </p:sp>
@@ -10281,7 +10286,7 @@
           <a:bodyPr/>
           <a:lstStyle/>
           <a:p>
-            <a:endParaRPr lang="es-PE"/>
+            <a:endParaRPr lang="es-PE" dirty="0"/>
           </a:p>
         </p:txBody>
       </p:sp>
@@ -10304,7 +10309,7 @@
               <a:rPr lang="es-PE" smtClean="0"/>
               <a:t>‹Nº›</a:t>
             </a:fld>
-            <a:endParaRPr lang="es-PE"/>
+            <a:endParaRPr lang="es-PE" dirty="0"/>
           </a:p>
         </p:txBody>
       </p:sp>
@@ -10432,7 +10437,7 @@
               <a:rPr lang="es-PE" smtClean="0"/>
               <a:t>03/06/2017</a:t>
             </a:fld>
-            <a:endParaRPr lang="es-PE"/>
+            <a:endParaRPr lang="es-PE" dirty="0"/>
           </a:p>
         </p:txBody>
       </p:sp>
@@ -10451,7 +10456,7 @@
           <a:bodyPr/>
           <a:lstStyle/>
           <a:p>
-            <a:endParaRPr lang="es-PE"/>
+            <a:endParaRPr lang="es-PE" dirty="0"/>
           </a:p>
         </p:txBody>
       </p:sp>
@@ -10474,7 +10479,7 @@
               <a:rPr lang="es-PE" smtClean="0"/>
               <a:t>‹Nº›</a:t>
             </a:fld>
-            <a:endParaRPr lang="es-PE"/>
+            <a:endParaRPr lang="es-PE" dirty="0"/>
           </a:p>
         </p:txBody>
       </p:sp>
@@ -10682,7 +10687,7 @@
               <a:rPr lang="es-PE" smtClean="0"/>
               <a:t>03/06/2017</a:t>
             </a:fld>
-            <a:endParaRPr lang="es-PE"/>
+            <a:endParaRPr lang="es-PE" dirty="0"/>
           </a:p>
         </p:txBody>
       </p:sp>
@@ -10701,7 +10706,7 @@
           <a:bodyPr/>
           <a:lstStyle/>
           <a:p>
-            <a:endParaRPr lang="es-PE"/>
+            <a:endParaRPr lang="es-PE" dirty="0"/>
           </a:p>
         </p:txBody>
       </p:sp>
@@ -10724,7 +10729,7 @@
               <a:rPr lang="es-PE" smtClean="0"/>
               <a:t>‹Nº›</a:t>
             </a:fld>
-            <a:endParaRPr lang="es-PE"/>
+            <a:endParaRPr lang="es-PE" dirty="0"/>
           </a:p>
         </p:txBody>
       </p:sp>
@@ -10914,7 +10919,7 @@
               <a:rPr lang="es-PE" smtClean="0"/>
               <a:t>03/06/2017</a:t>
             </a:fld>
-            <a:endParaRPr lang="es-PE"/>
+            <a:endParaRPr lang="es-PE" dirty="0"/>
           </a:p>
         </p:txBody>
       </p:sp>
@@ -10933,7 +10938,7 @@
           <a:bodyPr/>
           <a:lstStyle/>
           <a:p>
-            <a:endParaRPr lang="es-PE"/>
+            <a:endParaRPr lang="es-PE" dirty="0"/>
           </a:p>
         </p:txBody>
       </p:sp>
@@ -10956,7 +10961,7 @@
               <a:rPr lang="es-PE" smtClean="0"/>
               <a:t>‹Nº›</a:t>
             </a:fld>
-            <a:endParaRPr lang="es-PE"/>
+            <a:endParaRPr lang="es-PE" dirty="0"/>
           </a:p>
         </p:txBody>
       </p:sp>
@@ -11295,7 +11300,7 @@
               <a:rPr lang="es-PE" smtClean="0"/>
               <a:t>03/06/2017</a:t>
             </a:fld>
-            <a:endParaRPr lang="es-PE"/>
+            <a:endParaRPr lang="es-PE" dirty="0"/>
           </a:p>
         </p:txBody>
       </p:sp>
@@ -11314,7 +11319,7 @@
           <a:bodyPr/>
           <a:lstStyle/>
           <a:p>
-            <a:endParaRPr lang="es-PE"/>
+            <a:endParaRPr lang="es-PE" dirty="0"/>
           </a:p>
         </p:txBody>
       </p:sp>
@@ -11337,7 +11342,7 @@
               <a:rPr lang="es-PE" smtClean="0"/>
               <a:t>‹Nº›</a:t>
             </a:fld>
-            <a:endParaRPr lang="es-PE"/>
+            <a:endParaRPr lang="es-PE" dirty="0"/>
           </a:p>
         </p:txBody>
       </p:sp>
@@ -11413,7 +11418,7 @@
               <a:rPr lang="es-PE" smtClean="0"/>
               <a:t>03/06/2017</a:t>
             </a:fld>
-            <a:endParaRPr lang="es-PE"/>
+            <a:endParaRPr lang="es-PE" dirty="0"/>
           </a:p>
         </p:txBody>
       </p:sp>
@@ -11432,7 +11437,7 @@
           <a:bodyPr/>
           <a:lstStyle/>
           <a:p>
-            <a:endParaRPr lang="es-PE"/>
+            <a:endParaRPr lang="es-PE" dirty="0"/>
           </a:p>
         </p:txBody>
       </p:sp>
@@ -11455,7 +11460,7 @@
               <a:rPr lang="es-PE" smtClean="0"/>
               <a:t>‹Nº›</a:t>
             </a:fld>
-            <a:endParaRPr lang="es-PE"/>
+            <a:endParaRPr lang="es-PE" dirty="0"/>
           </a:p>
         </p:txBody>
       </p:sp>
@@ -11508,7 +11513,7 @@
               <a:rPr lang="es-PE" smtClean="0"/>
               <a:t>03/06/2017</a:t>
             </a:fld>
-            <a:endParaRPr lang="es-PE"/>
+            <a:endParaRPr lang="es-PE" dirty="0"/>
           </a:p>
         </p:txBody>
       </p:sp>
@@ -11527,7 +11532,7 @@
           <a:bodyPr/>
           <a:lstStyle/>
           <a:p>
-            <a:endParaRPr lang="es-PE"/>
+            <a:endParaRPr lang="es-PE" dirty="0"/>
           </a:p>
         </p:txBody>
       </p:sp>
@@ -11550,7 +11555,7 @@
               <a:rPr lang="es-PE" smtClean="0"/>
               <a:t>‹Nº›</a:t>
             </a:fld>
-            <a:endParaRPr lang="es-PE"/>
+            <a:endParaRPr lang="es-PE" dirty="0"/>
           </a:p>
         </p:txBody>
       </p:sp>
@@ -11757,7 +11762,7 @@
               <a:rPr lang="es-PE" smtClean="0"/>
               <a:t>03/06/2017</a:t>
             </a:fld>
-            <a:endParaRPr lang="es-PE"/>
+            <a:endParaRPr lang="es-PE" dirty="0"/>
           </a:p>
         </p:txBody>
       </p:sp>
@@ -11776,7 +11781,7 @@
           <a:bodyPr/>
           <a:lstStyle/>
           <a:p>
-            <a:endParaRPr lang="es-PE"/>
+            <a:endParaRPr lang="es-PE" dirty="0"/>
           </a:p>
         </p:txBody>
       </p:sp>
@@ -11799,7 +11804,7 @@
               <a:rPr lang="es-PE" smtClean="0"/>
               <a:t>‹Nº›</a:t>
             </a:fld>
-            <a:endParaRPr lang="es-PE"/>
+            <a:endParaRPr lang="es-PE" dirty="0"/>
           </a:p>
         </p:txBody>
       </p:sp>
@@ -11946,7 +11951,7 @@
           </a:lstStyle>
           <a:p>
             <a:r>
-              <a:rPr lang="es-ES" smtClean="0"/>
+              <a:rPr lang="es-ES" dirty="0" smtClean="0"/>
               <a:t>Haga clic en el icono para agregar una imagen</a:t>
             </a:r>
             <a:endParaRPr lang="en-US" dirty="0"/>
@@ -12037,7 +12042,7 @@
               <a:rPr lang="es-PE" smtClean="0"/>
               <a:t>03/06/2017</a:t>
             </a:fld>
-            <a:endParaRPr lang="es-PE"/>
+            <a:endParaRPr lang="es-PE" dirty="0"/>
           </a:p>
         </p:txBody>
       </p:sp>
@@ -12056,7 +12061,7 @@
           <a:bodyPr/>
           <a:lstStyle/>
           <a:p>
-            <a:endParaRPr lang="es-PE"/>
+            <a:endParaRPr lang="es-PE" dirty="0"/>
           </a:p>
         </p:txBody>
       </p:sp>
@@ -12079,7 +12084,7 @@
               <a:rPr lang="es-PE" smtClean="0"/>
               <a:t>‹Nº›</a:t>
             </a:fld>
-            <a:endParaRPr lang="es-PE"/>
+            <a:endParaRPr lang="es-PE" dirty="0"/>
           </a:p>
         </p:txBody>
       </p:sp>
@@ -12151,7 +12156,7 @@
           <a:noFill/>
           <a:extLst>
             <a:ext uri="{909E8E84-426E-40dd-AFC4-6F175D3DCCD1}">
-              <a14:hiddenFill xmlns:a14="http://schemas.microsoft.com/office/drawing/2010/main" xmlns="">
+              <a14:hiddenFill xmlns="" xmlns:a14="http://schemas.microsoft.com/office/drawing/2010/main">
                 <a:solidFill>
                   <a:srgbClr val="FFFFFF"/>
                 </a:solidFill>
@@ -12225,7 +12230,7 @@
               </a:ln>
               <a:extLst>
                 <a:ext uri="{91240B29-F687-4f45-9708-019B960494DF}">
-                  <a14:hiddenLine xmlns:a14="http://schemas.microsoft.com/office/drawing/2010/main" xmlns="" w="9525">
+                  <a14:hiddenLine xmlns="" xmlns:a14="http://schemas.microsoft.com/office/drawing/2010/main" w="9525">
                     <a:solidFill>
                       <a:srgbClr val="000000"/>
                     </a:solidFill>
@@ -12315,7 +12320,7 @@
               </a:ln>
               <a:extLst>
                 <a:ext uri="{91240B29-F687-4f45-9708-019B960494DF}">
-                  <a14:hiddenLine xmlns:a14="http://schemas.microsoft.com/office/drawing/2010/main" xmlns="" w="9525">
+                  <a14:hiddenLine xmlns="" xmlns:a14="http://schemas.microsoft.com/office/drawing/2010/main" w="9525">
                     <a:solidFill>
                       <a:srgbClr val="000000"/>
                     </a:solidFill>
@@ -12405,7 +12410,7 @@
               </a:ln>
               <a:extLst>
                 <a:ext uri="{91240B29-F687-4f45-9708-019B960494DF}">
-                  <a14:hiddenLine xmlns:a14="http://schemas.microsoft.com/office/drawing/2010/main" xmlns="" w="9525">
+                  <a14:hiddenLine xmlns="" xmlns:a14="http://schemas.microsoft.com/office/drawing/2010/main" w="9525">
                     <a:solidFill>
                       <a:srgbClr val="000000"/>
                     </a:solidFill>
@@ -12467,7 +12472,7 @@
               </a:ln>
               <a:extLst>
                 <a:ext uri="{91240B29-F687-4f45-9708-019B960494DF}">
-                  <a14:hiddenLine xmlns:a14="http://schemas.microsoft.com/office/drawing/2010/main" xmlns="" w="9525">
+                  <a14:hiddenLine xmlns="" xmlns:a14="http://schemas.microsoft.com/office/drawing/2010/main" w="9525">
                     <a:solidFill>
                       <a:srgbClr val="000000"/>
                     </a:solidFill>
@@ -12557,7 +12562,7 @@
               </a:ln>
               <a:extLst>
                 <a:ext uri="{91240B29-F687-4f45-9708-019B960494DF}">
-                  <a14:hiddenLine xmlns:a14="http://schemas.microsoft.com/office/drawing/2010/main" xmlns="" w="9525">
+                  <a14:hiddenLine xmlns="" xmlns:a14="http://schemas.microsoft.com/office/drawing/2010/main" w="9525">
                     <a:solidFill>
                       <a:srgbClr val="000000"/>
                     </a:solidFill>
@@ -12619,7 +12624,7 @@
               </a:ln>
               <a:extLst>
                 <a:ext uri="{91240B29-F687-4f45-9708-019B960494DF}">
-                  <a14:hiddenLine xmlns:a14="http://schemas.microsoft.com/office/drawing/2010/main" xmlns="" w="9525">
+                  <a14:hiddenLine xmlns="" xmlns:a14="http://schemas.microsoft.com/office/drawing/2010/main" w="9525">
                     <a:solidFill>
                       <a:srgbClr val="000000"/>
                     </a:solidFill>
@@ -12681,7 +12686,7 @@
               </a:ln>
               <a:extLst>
                 <a:ext uri="{91240B29-F687-4f45-9708-019B960494DF}">
-                  <a14:hiddenLine xmlns:a14="http://schemas.microsoft.com/office/drawing/2010/main" xmlns="" w="9525">
+                  <a14:hiddenLine xmlns="" xmlns:a14="http://schemas.microsoft.com/office/drawing/2010/main" w="9525">
                     <a:solidFill>
                       <a:srgbClr val="000000"/>
                     </a:solidFill>
@@ -12771,7 +12776,7 @@
               </a:ln>
               <a:extLst>
                 <a:ext uri="{91240B29-F687-4f45-9708-019B960494DF}">
-                  <a14:hiddenLine xmlns:a14="http://schemas.microsoft.com/office/drawing/2010/main" xmlns="" w="9525">
+                  <a14:hiddenLine xmlns="" xmlns:a14="http://schemas.microsoft.com/office/drawing/2010/main" w="9525">
                     <a:solidFill>
                       <a:srgbClr val="000000"/>
                     </a:solidFill>
@@ -12861,7 +12866,7 @@
               </a:ln>
               <a:extLst>
                 <a:ext uri="{91240B29-F687-4f45-9708-019B960494DF}">
-                  <a14:hiddenLine xmlns:a14="http://schemas.microsoft.com/office/drawing/2010/main" xmlns="" w="9525">
+                  <a14:hiddenLine xmlns="" xmlns:a14="http://schemas.microsoft.com/office/drawing/2010/main" w="9525">
                     <a:solidFill>
                       <a:srgbClr val="000000"/>
                     </a:solidFill>
@@ -12923,7 +12928,7 @@
               </a:ln>
               <a:extLst>
                 <a:ext uri="{91240B29-F687-4f45-9708-019B960494DF}">
-                  <a14:hiddenLine xmlns:a14="http://schemas.microsoft.com/office/drawing/2010/main" xmlns="" w="9525">
+                  <a14:hiddenLine xmlns="" xmlns:a14="http://schemas.microsoft.com/office/drawing/2010/main" w="9525">
                     <a:solidFill>
                       <a:srgbClr val="000000"/>
                     </a:solidFill>
@@ -13033,7 +13038,7 @@
               </a:ln>
               <a:extLst>
                 <a:ext uri="{91240B29-F687-4f45-9708-019B960494DF}">
-                  <a14:hiddenLine xmlns:a14="http://schemas.microsoft.com/office/drawing/2010/main" xmlns="" w="9525">
+                  <a14:hiddenLine xmlns="" xmlns:a14="http://schemas.microsoft.com/office/drawing/2010/main" w="9525">
                     <a:solidFill>
                       <a:srgbClr val="000000"/>
                     </a:solidFill>
@@ -13117,7 +13122,7 @@
               </a:ln>
               <a:extLst>
                 <a:ext uri="{91240B29-F687-4f45-9708-019B960494DF}">
-                  <a14:hiddenLine xmlns:a14="http://schemas.microsoft.com/office/drawing/2010/main" xmlns="" w="9525">
+                  <a14:hiddenLine xmlns="" xmlns:a14="http://schemas.microsoft.com/office/drawing/2010/main" w="9525">
                     <a:solidFill>
                       <a:srgbClr val="000000"/>
                     </a:solidFill>
@@ -13179,7 +13184,7 @@
               </a:ln>
               <a:extLst>
                 <a:ext uri="{91240B29-F687-4f45-9708-019B960494DF}">
-                  <a14:hiddenLine xmlns:a14="http://schemas.microsoft.com/office/drawing/2010/main" xmlns="" w="9525">
+                  <a14:hiddenLine xmlns="" xmlns:a14="http://schemas.microsoft.com/office/drawing/2010/main" w="9525">
                     <a:solidFill>
                       <a:srgbClr val="000000"/>
                     </a:solidFill>
@@ -13241,7 +13246,7 @@
               </a:ln>
               <a:extLst>
                 <a:ext uri="{91240B29-F687-4f45-9708-019B960494DF}">
-                  <a14:hiddenLine xmlns:a14="http://schemas.microsoft.com/office/drawing/2010/main" xmlns="" w="9525">
+                  <a14:hiddenLine xmlns="" xmlns:a14="http://schemas.microsoft.com/office/drawing/2010/main" w="9525">
                     <a:solidFill>
                       <a:srgbClr val="000000"/>
                     </a:solidFill>
@@ -13331,7 +13336,7 @@
               </a:ln>
               <a:extLst>
                 <a:ext uri="{91240B29-F687-4f45-9708-019B960494DF}">
-                  <a14:hiddenLine xmlns:a14="http://schemas.microsoft.com/office/drawing/2010/main" xmlns="" w="9525">
+                  <a14:hiddenLine xmlns="" xmlns:a14="http://schemas.microsoft.com/office/drawing/2010/main" w="9525">
                     <a:solidFill>
                       <a:srgbClr val="000000"/>
                     </a:solidFill>
@@ -13365,7 +13370,7 @@
               </a:ln>
               <a:extLst>
                 <a:ext uri="{91240B29-F687-4f45-9708-019B960494DF}">
-                  <a14:hiddenLine xmlns:a14="http://schemas.microsoft.com/office/drawing/2010/main" xmlns="" w="9525">
+                  <a14:hiddenLine xmlns="" xmlns:a14="http://schemas.microsoft.com/office/drawing/2010/main" w="9525">
                     <a:solidFill>
                       <a:srgbClr val="000000"/>
                     </a:solidFill>
@@ -13430,7 +13435,7 @@
               </a:ln>
               <a:extLst>
                 <a:ext uri="{91240B29-F687-4f45-9708-019B960494DF}">
-                  <a14:hiddenLine xmlns:a14="http://schemas.microsoft.com/office/drawing/2010/main" xmlns="" w="9525">
+                  <a14:hiddenLine xmlns="" xmlns:a14="http://schemas.microsoft.com/office/drawing/2010/main" w="9525">
                     <a:solidFill>
                       <a:srgbClr val="000000"/>
                     </a:solidFill>
@@ -13520,7 +13525,7 @@
               </a:ln>
               <a:extLst>
                 <a:ext uri="{91240B29-F687-4f45-9708-019B960494DF}">
-                  <a14:hiddenLine xmlns:a14="http://schemas.microsoft.com/office/drawing/2010/main" xmlns="" w="9525">
+                  <a14:hiddenLine xmlns="" xmlns:a14="http://schemas.microsoft.com/office/drawing/2010/main" w="9525">
                     <a:solidFill>
                       <a:srgbClr val="000000"/>
                     </a:solidFill>
@@ -13582,7 +13587,7 @@
               </a:ln>
               <a:extLst>
                 <a:ext uri="{91240B29-F687-4f45-9708-019B960494DF}">
-                  <a14:hiddenLine xmlns:a14="http://schemas.microsoft.com/office/drawing/2010/main" xmlns="" w="9525">
+                  <a14:hiddenLine xmlns="" xmlns:a14="http://schemas.microsoft.com/office/drawing/2010/main" w="9525">
                     <a:solidFill>
                       <a:srgbClr val="000000"/>
                     </a:solidFill>
@@ -13672,7 +13677,7 @@
               </a:ln>
               <a:extLst>
                 <a:ext uri="{91240B29-F687-4f45-9708-019B960494DF}">
-                  <a14:hiddenLine xmlns:a14="http://schemas.microsoft.com/office/drawing/2010/main" xmlns="" w="9525">
+                  <a14:hiddenLine xmlns="" xmlns:a14="http://schemas.microsoft.com/office/drawing/2010/main" w="9525">
                     <a:solidFill>
                       <a:srgbClr val="000000"/>
                     </a:solidFill>
@@ -13737,7 +13742,7 @@
               </a:ln>
               <a:extLst>
                 <a:ext uri="{91240B29-F687-4f45-9708-019B960494DF}">
-                  <a14:hiddenLine xmlns:a14="http://schemas.microsoft.com/office/drawing/2010/main" xmlns="" w="9525">
+                  <a14:hiddenLine xmlns="" xmlns:a14="http://schemas.microsoft.com/office/drawing/2010/main" w="9525">
                     <a:solidFill>
                       <a:srgbClr val="000000"/>
                     </a:solidFill>
@@ -13799,7 +13804,7 @@
               </a:ln>
               <a:extLst>
                 <a:ext uri="{91240B29-F687-4f45-9708-019B960494DF}">
-                  <a14:hiddenLine xmlns:a14="http://schemas.microsoft.com/office/drawing/2010/main" xmlns="" w="9525">
+                  <a14:hiddenLine xmlns="" xmlns:a14="http://schemas.microsoft.com/office/drawing/2010/main" w="9525">
                     <a:solidFill>
                       <a:srgbClr val="000000"/>
                     </a:solidFill>
@@ -13889,7 +13894,7 @@
               </a:ln>
               <a:extLst>
                 <a:ext uri="{91240B29-F687-4f45-9708-019B960494DF}">
-                  <a14:hiddenLine xmlns:a14="http://schemas.microsoft.com/office/drawing/2010/main" xmlns="" w="9525">
+                  <a14:hiddenLine xmlns="" xmlns:a14="http://schemas.microsoft.com/office/drawing/2010/main" w="9525">
                     <a:solidFill>
                       <a:srgbClr val="000000"/>
                     </a:solidFill>
@@ -13979,7 +13984,7 @@
               </a:ln>
               <a:extLst>
                 <a:ext uri="{91240B29-F687-4f45-9708-019B960494DF}">
-                  <a14:hiddenLine xmlns:a14="http://schemas.microsoft.com/office/drawing/2010/main" xmlns="" w="9525">
+                  <a14:hiddenLine xmlns="" xmlns:a14="http://schemas.microsoft.com/office/drawing/2010/main" w="9525">
                     <a:solidFill>
                       <a:srgbClr val="000000"/>
                     </a:solidFill>
@@ -14044,7 +14049,7 @@
               </a:ln>
               <a:extLst>
                 <a:ext uri="{91240B29-F687-4f45-9708-019B960494DF}">
-                  <a14:hiddenLine xmlns:a14="http://schemas.microsoft.com/office/drawing/2010/main" xmlns="" w="9525">
+                  <a14:hiddenLine xmlns="" xmlns:a14="http://schemas.microsoft.com/office/drawing/2010/main" w="9525">
                     <a:solidFill>
                       <a:srgbClr val="000000"/>
                     </a:solidFill>
@@ -14164,7 +14169,7 @@
               </a:ln>
               <a:extLst>
                 <a:ext uri="{91240B29-F687-4f45-9708-019B960494DF}">
-                  <a14:hiddenLine xmlns:a14="http://schemas.microsoft.com/office/drawing/2010/main" xmlns="" w="9525">
+                  <a14:hiddenLine xmlns="" xmlns:a14="http://schemas.microsoft.com/office/drawing/2010/main" w="9525">
                     <a:solidFill>
                       <a:srgbClr val="000000"/>
                     </a:solidFill>
@@ -14262,7 +14267,7 @@
               </a:ln>
               <a:extLst>
                 <a:ext uri="{91240B29-F687-4f45-9708-019B960494DF}">
-                  <a14:hiddenLine xmlns:a14="http://schemas.microsoft.com/office/drawing/2010/main" xmlns="" w="9525">
+                  <a14:hiddenLine xmlns="" xmlns:a14="http://schemas.microsoft.com/office/drawing/2010/main" w="9525">
                     <a:solidFill>
                       <a:srgbClr val="000000"/>
                     </a:solidFill>
@@ -14377,7 +14382,7 @@
               </a:ln>
               <a:extLst>
                 <a:ext uri="{91240B29-F687-4f45-9708-019B960494DF}">
-                  <a14:hiddenLine xmlns:a14="http://schemas.microsoft.com/office/drawing/2010/main" xmlns="" w="9525">
+                  <a14:hiddenLine xmlns="" xmlns:a14="http://schemas.microsoft.com/office/drawing/2010/main" w="9525">
                     <a:solidFill>
                       <a:srgbClr val="000000"/>
                     </a:solidFill>
@@ -14467,7 +14472,7 @@
               </a:ln>
               <a:extLst>
                 <a:ext uri="{91240B29-F687-4f45-9708-019B960494DF}">
-                  <a14:hiddenLine xmlns:a14="http://schemas.microsoft.com/office/drawing/2010/main" xmlns="" w="9525">
+                  <a14:hiddenLine xmlns="" xmlns:a14="http://schemas.microsoft.com/office/drawing/2010/main" w="9525">
                     <a:solidFill>
                       <a:srgbClr val="000000"/>
                     </a:solidFill>
@@ -14532,7 +14537,7 @@
               </a:ln>
               <a:extLst>
                 <a:ext uri="{91240B29-F687-4f45-9708-019B960494DF}">
-                  <a14:hiddenLine xmlns:a14="http://schemas.microsoft.com/office/drawing/2010/main" xmlns="" w="9525">
+                  <a14:hiddenLine xmlns="" xmlns:a14="http://schemas.microsoft.com/office/drawing/2010/main" w="9525">
                     <a:solidFill>
                       <a:srgbClr val="000000"/>
                     </a:solidFill>
@@ -14622,7 +14627,7 @@
               </a:ln>
               <a:extLst>
                 <a:ext uri="{91240B29-F687-4f45-9708-019B960494DF}">
-                  <a14:hiddenLine xmlns:a14="http://schemas.microsoft.com/office/drawing/2010/main" xmlns="" w="9525">
+                  <a14:hiddenLine xmlns="" xmlns:a14="http://schemas.microsoft.com/office/drawing/2010/main" w="9525">
                     <a:solidFill>
                       <a:srgbClr val="000000"/>
                     </a:solidFill>
@@ -14690,7 +14695,7 @@
               </a:ln>
               <a:extLst>
                 <a:ext uri="{91240B29-F687-4f45-9708-019B960494DF}">
-                  <a14:hiddenLine xmlns:a14="http://schemas.microsoft.com/office/drawing/2010/main" xmlns="" w="9525">
+                  <a14:hiddenLine xmlns="" xmlns:a14="http://schemas.microsoft.com/office/drawing/2010/main" w="9525">
                     <a:solidFill>
                       <a:srgbClr val="000000"/>
                     </a:solidFill>
@@ -14780,7 +14785,7 @@
               </a:ln>
               <a:extLst>
                 <a:ext uri="{91240B29-F687-4f45-9708-019B960494DF}">
-                  <a14:hiddenLine xmlns:a14="http://schemas.microsoft.com/office/drawing/2010/main" xmlns="" w="9525">
+                  <a14:hiddenLine xmlns="" xmlns:a14="http://schemas.microsoft.com/office/drawing/2010/main" w="9525">
                     <a:solidFill>
                       <a:srgbClr val="000000"/>
                     </a:solidFill>
@@ -14848,7 +14853,7 @@
               </a:ln>
               <a:extLst>
                 <a:ext uri="{91240B29-F687-4f45-9708-019B960494DF}">
-                  <a14:hiddenLine xmlns:a14="http://schemas.microsoft.com/office/drawing/2010/main" xmlns="" w="9525">
+                  <a14:hiddenLine xmlns="" xmlns:a14="http://schemas.microsoft.com/office/drawing/2010/main" w="9525">
                     <a:solidFill>
                       <a:srgbClr val="000000"/>
                     </a:solidFill>
@@ -14938,7 +14943,7 @@
               </a:ln>
               <a:extLst>
                 <a:ext uri="{91240B29-F687-4f45-9708-019B960494DF}">
-                  <a14:hiddenLine xmlns:a14="http://schemas.microsoft.com/office/drawing/2010/main" xmlns="" w="9525">
+                  <a14:hiddenLine xmlns="" xmlns:a14="http://schemas.microsoft.com/office/drawing/2010/main" w="9525">
                     <a:solidFill>
                       <a:srgbClr val="000000"/>
                     </a:solidFill>
@@ -14972,7 +14977,7 @@
               </a:ln>
               <a:extLst>
                 <a:ext uri="{91240B29-F687-4f45-9708-019B960494DF}">
-                  <a14:hiddenLine xmlns:a14="http://schemas.microsoft.com/office/drawing/2010/main" xmlns="" w="9525">
+                  <a14:hiddenLine xmlns="" xmlns:a14="http://schemas.microsoft.com/office/drawing/2010/main" w="9525">
                     <a:solidFill>
                       <a:srgbClr val="000000"/>
                     </a:solidFill>
@@ -15114,7 +15119,7 @@
               <a:rPr lang="es-PE" smtClean="0"/>
               <a:t>03/06/2017</a:t>
             </a:fld>
-            <a:endParaRPr lang="es-PE"/>
+            <a:endParaRPr lang="es-PE" dirty="0"/>
           </a:p>
         </p:txBody>
       </p:sp>
@@ -15151,7 +15156,7 @@
             </a:lvl1pPr>
           </a:lstStyle>
           <a:p>
-            <a:endParaRPr lang="es-PE"/>
+            <a:endParaRPr lang="es-PE" dirty="0"/>
           </a:p>
         </p:txBody>
       </p:sp>
@@ -15192,7 +15197,7 @@
               <a:rPr lang="es-PE" smtClean="0"/>
               <a:t>‹Nº›</a:t>
             </a:fld>
-            <a:endParaRPr lang="es-PE"/>
+            <a:endParaRPr lang="es-PE" dirty="0"/>
           </a:p>
         </p:txBody>
       </p:sp>
@@ -17311,29 +17316,43 @@
           <a:bodyPr/>
           <a:lstStyle/>
           <a:p>
-            <a:endParaRPr lang="es-PE"/>
-          </a:p>
-        </p:txBody>
-      </p:sp>
-      <p:sp>
-        <p:nvSpPr>
-          <p:cNvPr id="3" name="Marcador de contenido 2"/>
-          <p:cNvSpPr>
-            <a:spLocks noGrp="1"/>
-          </p:cNvSpPr>
-          <p:nvPr>
-            <p:ph idx="1"/>
-          </p:nvPr>
-        </p:nvSpPr>
-        <p:spPr/>
-        <p:txBody>
-          <a:bodyPr/>
-          <a:lstStyle/>
-          <a:p>
+            <a:r>
+              <a:rPr lang="es-PE" dirty="0" err="1"/>
+              <a:t>journeymap</a:t>
+            </a:r>
             <a:endParaRPr lang="es-PE" dirty="0"/>
           </a:p>
         </p:txBody>
       </p:sp>
+      <p:pic>
+        <p:nvPicPr>
+          <p:cNvPr id="4" name="Marcador de contenido 3"/>
+          <p:cNvPicPr>
+            <a:picLocks noGrp="1" noChangeAspect="1"/>
+          </p:cNvPicPr>
+          <p:nvPr>
+            <p:ph idx="1"/>
+          </p:nvPr>
+        </p:nvPicPr>
+        <p:blipFill>
+          <a:blip r:embed="rId2">
+            <a:extLst>
+              <a:ext uri="{28A0092B-C50C-407E-A947-70E740481C1C}">
+                <a14:useLocalDpi xmlns:a14="http://schemas.microsoft.com/office/drawing/2010/main" val="0"/>
+              </a:ext>
+            </a:extLst>
+          </a:blip>
+          <a:stretch>
+            <a:fillRect/>
+          </a:stretch>
+        </p:blipFill>
+        <p:spPr>
+          <a:xfrm>
+            <a:off x="581891" y="1535771"/>
+            <a:ext cx="11193647" cy="5045138"/>
+          </a:xfrm>
+        </p:spPr>
+      </p:pic>
     </p:spTree>
     <p:extLst>
       <p:ext uri="{BB962C8B-B14F-4D97-AF65-F5344CB8AC3E}">
